--- a/snake.pptx
+++ b/snake.pptx
@@ -4229,7 +4229,7 @@
                 </a:solidFill>
                 <a:latin typeface="Source Sans Pro"/>
               </a:rPr>
-              <a:t> </a:t>
+              <a:t>&lt;date/time&gt;</a:t>
             </a:r>
             <a:endParaRPr b="0" lang="en-IN" sz="2400" spc="-1" strike="noStrike">
               <a:solidFill>
@@ -4272,7 +4272,7 @@
                 </a:solidFill>
                 <a:latin typeface="Source Sans Pro"/>
               </a:rPr>
-              <a:t> </a:t>
+              <a:t>&lt;footer&gt;</a:t>
             </a:r>
             <a:endParaRPr b="0" lang="en-IN" sz="2400" spc="-1" strike="noStrike">
               <a:solidFill>
@@ -4308,14 +4308,14 @@
           </a:bodyPr>
           <a:p>
             <a:pPr algn="r"/>
-            <a:fld id="{D723FA12-9266-488F-85E5-6B20506D6CC9}" type="slidenum">
+            <a:fld id="{61E645C4-9EAC-4C27-AB6E-67C08C3891B6}" type="slidenum">
               <a:rPr b="0" lang="en-IN" sz="2400" spc="-1" strike="noStrike">
                 <a:solidFill>
                   <a:srgbClr val="dbf5f9"/>
                 </a:solidFill>
                 <a:latin typeface="Source Sans Pro"/>
               </a:rPr>
-              <a:t>1</a:t>
+              <a:t>&lt;number&gt;</a:t>
             </a:fld>
             <a:endParaRPr b="0" lang="en-IN" sz="2400" spc="-1" strike="noStrike">
               <a:solidFill>
@@ -4967,7 +4967,7 @@
           </a:bodyPr>
           <a:p>
             <a:pPr algn="r"/>
-            <a:fld id="{7748CF33-A021-45A3-8DD9-2EFCEB07810D}" type="slidenum">
+            <a:fld id="{2D910EA9-3054-4058-88A4-0C5788FBF15C}" type="slidenum">
               <a:rPr b="0" lang="en-IN" sz="2400" spc="-1" strike="noStrike">
                 <a:solidFill>
                   <a:srgbClr val="484848"/>
@@ -5363,7 +5363,7 @@
           </a:bodyPr>
           <a:p>
             <a:pPr algn="r"/>
-            <a:fld id="{63BCC96B-F3A2-4A54-BEE7-37DBF26FC0D4}" type="slidenum">
+            <a:fld id="{B64AF728-03AC-419A-9C98-8A3AE9A57A84}" type="slidenum">
               <a:rPr b="0" lang="en-IN" sz="2400" spc="-1" strike="noStrike">
                 <a:solidFill>
                   <a:srgbClr val="484848"/>
@@ -6706,7 +6706,7 @@
         </p:spPr>
         <p:txBody>
           <a:bodyPr lIns="0" rIns="0" tIns="0" bIns="0">
-            <a:normAutofit fontScale="89000"/>
+            <a:normAutofit/>
           </a:bodyPr>
           <a:p>
             <a:pPr marL="432000" indent="-324000">
@@ -6791,28 +6791,6 @@
                 <a:latin typeface="Source Sans Pro"/>
               </a:rPr>
               <a:t>The multilist is stored in a csv file. The program reads it and then generates the actual multilist.</a:t>
-            </a:r>
-            <a:endParaRPr b="0" lang="en-IN" sz="3200" spc="-1" strike="noStrike">
-              <a:latin typeface="Source Sans Pro"/>
-            </a:endParaRPr>
-          </a:p>
-          <a:p>
-            <a:pPr marL="432000" indent="-324000">
-              <a:spcAft>
-                <a:spcPts val="1409"/>
-              </a:spcAft>
-              <a:buClr>
-                <a:srgbClr val="04617b"/>
-              </a:buClr>
-              <a:buSzPct val="45000"/>
-              <a:buFont typeface="Wingdings" charset="2"/>
-              <a:buChar char=""/>
-            </a:pPr>
-            <a:r>
-              <a:rPr b="0" lang="en-IN" sz="3200" spc="-1" strike="noStrike">
-                <a:latin typeface="Source Sans Pro"/>
-              </a:rPr>
-              <a:t>In order to play using fast-forward mode, we skip asking the user to input and directly roll the dice. </a:t>
             </a:r>
             <a:endParaRPr b="0" lang="en-IN" sz="3200" spc="-1" strike="noStrike">
               <a:latin typeface="Source Sans Pro"/>
@@ -6873,7 +6851,7 @@
                 </a:solidFill>
                 <a:latin typeface="Source Sans Pro Light"/>
               </a:rPr>
-              <a:t>Graphs</a:t>
+              <a:t>ADT Definition</a:t>
             </a:r>
             <a:endParaRPr b="0" lang="en-IN" sz="6000" spc="-1" strike="noStrike">
               <a:solidFill>
@@ -6923,7 +6901,73 @@
               <a:rPr b="0" lang="en-IN" sz="3200" spc="-1" strike="noStrike">
                 <a:latin typeface="Source Sans Pro"/>
               </a:rPr>
-              <a:t>A graph is another word for a network, i.e., a set of objects (called vertices or nodes) that are connected together. The connections between the vertices are called edges or links.</a:t>
+              <a:t>Graph data structre implemented using multilist</a:t>
+            </a:r>
+            <a:endParaRPr b="0" lang="en-IN" sz="3200" spc="-1" strike="noStrike">
+              <a:latin typeface="Source Sans Pro"/>
+            </a:endParaRPr>
+          </a:p>
+          <a:p>
+            <a:pPr marL="432000" indent="-324000">
+              <a:spcAft>
+                <a:spcPts val="1409"/>
+              </a:spcAft>
+              <a:buClr>
+                <a:srgbClr val="04617b"/>
+              </a:buClr>
+              <a:buSzPct val="45000"/>
+              <a:buFont typeface="Wingdings" charset="2"/>
+              <a:buChar char=""/>
+            </a:pPr>
+            <a:r>
+              <a:rPr b="0" lang="en-IN" sz="3200" spc="-1" strike="noStrike">
+                <a:latin typeface="Source Sans Pro"/>
+              </a:rPr>
+              <a:t>List** multilist is an array of List structure pointers</a:t>
+            </a:r>
+            <a:endParaRPr b="0" lang="en-IN" sz="3200" spc="-1" strike="noStrike">
+              <a:latin typeface="Source Sans Pro"/>
+            </a:endParaRPr>
+          </a:p>
+          <a:p>
+            <a:pPr marL="432000" indent="-324000">
+              <a:spcAft>
+                <a:spcPts val="1409"/>
+              </a:spcAft>
+              <a:buClr>
+                <a:srgbClr val="04617b"/>
+              </a:buClr>
+              <a:buSzPct val="45000"/>
+              <a:buFont typeface="Wingdings" charset="2"/>
+              <a:buChar char=""/>
+            </a:pPr>
+            <a:r>
+              <a:rPr b="0" lang="en-IN" sz="3200" spc="-1" strike="noStrike">
+                <a:latin typeface="Source Sans Pro"/>
+              </a:rPr>
+              <a:t>Each List array contains 2 nodes and 2 links</a:t>
+            </a:r>
+            <a:endParaRPr b="0" lang="en-IN" sz="3200" spc="-1" strike="noStrike">
+              <a:latin typeface="Source Sans Pro"/>
+            </a:endParaRPr>
+          </a:p>
+          <a:p>
+            <a:pPr marL="432000" indent="-324000">
+              <a:spcAft>
+                <a:spcPts val="1409"/>
+              </a:spcAft>
+              <a:buClr>
+                <a:srgbClr val="04617b"/>
+              </a:buClr>
+              <a:buSzPct val="45000"/>
+              <a:buFont typeface="Wingdings" charset="2"/>
+              <a:buChar char=""/>
+            </a:pPr>
+            <a:r>
+              <a:rPr b="0" lang="en-IN" sz="3200" spc="-1" strike="noStrike">
+                <a:latin typeface="Source Sans Pro"/>
+              </a:rPr>
+              <a:t>Int createMultiList() function creates the multilist and initializes the values in it</a:t>
             </a:r>
             <a:endParaRPr b="0" lang="en-IN" sz="3200" spc="-1" strike="noStrike">
               <a:latin typeface="Source Sans Pro"/>
